--- a/media/AI Project 2 PPT.pptx
+++ b/media/AI Project 2 PPT.pptx
@@ -3905,7 +3905,7 @@
           <a:p>
             <a:r>
               <a:rPr lang="en-US" sz="2800" dirty="0"/>
-              <a:t>	- Greyscale</a:t>
+              <a:t>	- Grayscale</a:t>
             </a:r>
           </a:p>
           <a:p>
@@ -3918,6 +3918,12 @@
             <a:r>
               <a:rPr lang="en-US" sz="2800" dirty="0"/>
               <a:t>	- Reshape</a:t>
+            </a:r>
+          </a:p>
+          <a:p>
+            <a:r>
+              <a:rPr lang="en-US" sz="2800" dirty="0"/>
+              <a:t>	- Split</a:t>
             </a:r>
           </a:p>
           <a:p>
@@ -4058,6 +4064,13 @@
               <a:buFont typeface="Arial" panose="020B0604020202020204" pitchFamily="34" charset="0"/>
               <a:buChar char="•"/>
             </a:pPr>
+            <a:endParaRPr lang="en-US" sz="3200" dirty="0"/>
+          </a:p>
+          <a:p>
+            <a:pPr marL="457200" indent="-457200">
+              <a:buFont typeface="Arial" panose="020B0604020202020204" pitchFamily="34" charset="0"/>
+              <a:buChar char="•"/>
+            </a:pPr>
             <a:r>
               <a:rPr lang="en-US" sz="3200" dirty="0"/>
               <a:t>Train: 20 Epochs (9s/Epoch)</a:t>
@@ -4104,7 +4117,7 @@
         </p:blipFill>
         <p:spPr bwMode="auto">
           <a:xfrm>
-            <a:off x="7632556" y="1253501"/>
+            <a:off x="8163935" y="1253500"/>
             <a:ext cx="3373293" cy="2529328"/>
           </a:xfrm>
           <a:prstGeom prst="rect">
@@ -4145,7 +4158,7 @@
         </p:blipFill>
         <p:spPr bwMode="auto">
           <a:xfrm>
-            <a:off x="7632556" y="4055751"/>
+            <a:off x="8164792" y="4055750"/>
             <a:ext cx="3372436" cy="2529327"/>
           </a:xfrm>
           <a:prstGeom prst="rect">
@@ -4155,6 +4168,53 @@
           <a:ln>
             <a:noFill/>
           </a:ln>
+        </p:spPr>
+      </p:pic>
+      <p:pic>
+        <p:nvPicPr>
+          <p:cNvPr id="1028" name="Picture 4" descr="General flow graph of a neural network with 4 layers. | Download Scientific  Diagram">
+            <a:extLst>
+              <a:ext uri="{FF2B5EF4-FFF2-40B4-BE49-F238E27FC236}">
+                <a16:creationId xmlns:a16="http://schemas.microsoft.com/office/drawing/2014/main" id="{5FD6388A-E304-4692-2273-EBA0648905A6}"/>
+              </a:ext>
+            </a:extLst>
+          </p:cNvPr>
+          <p:cNvPicPr>
+            <a:picLocks noChangeAspect="1" noChangeArrowheads="1"/>
+          </p:cNvPicPr>
+          <p:nvPr/>
+        </p:nvPicPr>
+        <p:blipFill>
+          <a:blip r:embed="rId4">
+            <a:extLst>
+              <a:ext uri="{28A0092B-C50C-407E-A947-70E740481C1C}">
+                <a14:useLocalDpi xmlns:a14="http://schemas.microsoft.com/office/drawing/2010/main" val="0"/>
+              </a:ext>
+            </a:extLst>
+          </a:blip>
+          <a:srcRect/>
+          <a:stretch>
+            <a:fillRect/>
+          </a:stretch>
+        </p:blipFill>
+        <p:spPr bwMode="auto">
+          <a:xfrm>
+            <a:off x="3360017" y="2316732"/>
+            <a:ext cx="3373293" cy="2030941"/>
+          </a:xfrm>
+          <a:prstGeom prst="rect">
+            <a:avLst/>
+          </a:prstGeom>
+          <a:noFill/>
+          <a:extLst>
+            <a:ext uri="{909E8E84-426E-40DD-AFC4-6F175D3DCCD1}">
+              <a14:hiddenFill xmlns:a14="http://schemas.microsoft.com/office/drawing/2010/main">
+                <a:solidFill>
+                  <a:srgbClr val="FFFFFF"/>
+                </a:solidFill>
+              </a14:hiddenFill>
+            </a:ext>
+          </a:extLst>
         </p:spPr>
       </p:pic>
     </p:spTree>
@@ -4420,18 +4480,18 @@
               <a:buChar char="•"/>
             </a:pPr>
             <a:r>
-              <a:rPr lang="en-US" sz="2400" dirty="0" err="1">
+              <a:rPr lang="en-US" sz="2800" dirty="0" err="1">
                 <a:hlinkClick r:id="rId2"/>
               </a:rPr>
               <a:t>wassimalharaki</a:t>
             </a:r>
             <a:r>
-              <a:rPr lang="en-US" sz="2400" dirty="0">
+              <a:rPr lang="en-US" sz="2800" dirty="0">
                 <a:hlinkClick r:id="rId2"/>
               </a:rPr>
               <a:t>/Digit-Classification-Model (github.com)</a:t>
             </a:r>
-            <a:endParaRPr lang="en-US" sz="3200" dirty="0"/>
+            <a:endParaRPr lang="en-US" sz="3600" dirty="0"/>
           </a:p>
           <a:p>
             <a:endParaRPr lang="en-US" sz="3200" dirty="0"/>
